--- a/01.JavaSE/01.ppt/00.开班.pptx
+++ b/01.JavaSE/01.ppt/00.开班.pptx
@@ -223,7 +223,7 @@
           <a:p>
             <a:fld id="{6123DD06-80E0-4FE6-81F6-66C068209E61}" type="datetimeFigureOut">
               <a:rPr lang="zh-CN" altLang="en-US" smtClean="0"/>
-              <a:t>2020-5-29</a:t>
+              <a:t>2020-6-1</a:t>
             </a:fld>
             <a:endParaRPr lang="zh-CN" altLang="en-US"/>
           </a:p>
@@ -16708,7 +16708,7 @@
         <p:spPr>
           <a:xfrm>
             <a:off x="712470" y="1286510"/>
-            <a:ext cx="7909560" cy="3796030"/>
+            <a:ext cx="7909560" cy="3367076"/>
           </a:xfrm>
           <a:prstGeom prst="rect">
             <a:avLst/>
@@ -16727,7 +16727,7 @@
               </a:lnSpc>
             </a:pPr>
             <a:r>
-              <a:rPr lang="zh-CN" altLang="en-US" sz="2800"/>
+              <a:rPr lang="zh-CN" altLang="en-US" sz="2800" dirty="0"/>
               <a:t>作业提交规则：</a:t>
             </a:r>
           </a:p>
@@ -16738,75 +16738,72 @@
               </a:lnSpc>
             </a:pPr>
             <a:r>
-              <a:rPr lang="en-US" altLang="zh-CN" sz="2800"/>
+              <a:rPr lang="en-US" altLang="zh-CN" sz="2800" dirty="0"/>
               <a:t>	</a:t>
             </a:r>
             <a:r>
-              <a:rPr lang="zh-CN" sz="2800">
+              <a:rPr lang="zh-CN" sz="2800" dirty="0">
                 <a:solidFill>
                   <a:srgbClr val="FF0000"/>
                 </a:solidFill>
               </a:rPr>
               <a:t>邮件礼仪的重要性和每天发邮件的意义！</a:t>
             </a:r>
-            <a:endParaRPr lang="zh-CN" altLang="en-US" sz="2800"/>
-          </a:p>
-          <a:p>
-            <a:endParaRPr lang="zh-CN" altLang="en-US" sz="2800"/>
-          </a:p>
-          <a:p>
-            <a:r>
-              <a:rPr lang="en-US" altLang="zh-CN" sz="2800"/>
+            <a:endParaRPr lang="zh-CN" altLang="en-US" sz="2800" dirty="0"/>
+          </a:p>
+          <a:p>
+            <a:endParaRPr lang="zh-CN" altLang="en-US" sz="2800" dirty="0"/>
+          </a:p>
+          <a:p>
+            <a:r>
+              <a:rPr lang="en-US" altLang="zh-CN" sz="2800" dirty="0"/>
               <a:t>	</a:t>
             </a:r>
             <a:r>
-              <a:rPr lang="zh-CN" altLang="en-US" sz="2800"/>
-              <a:t>提交邮箱：</a:t>
-            </a:r>
-            <a:r>
-              <a:rPr lang="zh-CN" altLang="en-US" sz="2800">
+              <a:rPr lang="zh-CN" altLang="en-US" sz="2800" dirty="0"/>
+              <a:t>提交邮箱</a:t>
+            </a:r>
+            <a:r>
+              <a:rPr lang="zh-CN" altLang="en-US" sz="2800" dirty="0" smtClean="0"/>
+              <a:t>：</a:t>
+            </a:r>
+            <a:r>
+              <a:rPr lang="en-US" altLang="zh-CN" sz="2800" dirty="0" smtClean="0">
                 <a:sym typeface="+mn-ea"/>
               </a:rPr>
-              <a:t>1700472640</a:t>
-            </a:r>
-            <a:r>
-              <a:rPr lang="en-US" altLang="zh-CN" sz="2800">
-                <a:sym typeface="+mn-ea"/>
-              </a:rPr>
-              <a:t>@qq.com</a:t>
-            </a:r>
-            <a:endParaRPr lang="zh-CN" altLang="en-US" sz="2800">
+              <a:t>804193694@qq.com</a:t>
+            </a:r>
+            <a:endParaRPr lang="zh-CN" altLang="en-US" sz="2800" dirty="0">
               <a:sym typeface="+mn-ea"/>
             </a:endParaRPr>
           </a:p>
           <a:p>
             <a:r>
-              <a:rPr lang="en-US" altLang="zh-CN" sz="2800">
+              <a:rPr lang="en-US" altLang="zh-CN" sz="2800" dirty="0">
                 <a:sym typeface="+mn-ea"/>
               </a:rPr>
               <a:t>	</a:t>
             </a:r>
             <a:r>
-              <a:rPr lang="zh-CN" altLang="en-US" sz="2800">
+              <a:rPr lang="zh-CN" altLang="en-US" sz="2800" dirty="0">
                 <a:sym typeface="+mn-ea"/>
               </a:rPr>
-              <a:t>抄送班主任：</a:t>
-            </a:r>
-            <a:r>
-              <a:rPr lang="en-US" altLang="zh-CN" sz="2800"/>
-              <a:t>	</a:t>
-            </a:r>
-            <a:endParaRPr lang="zh-CN" altLang="en-US" sz="2800"/>
-          </a:p>
-          <a:p>
-            <a:r>
-              <a:rPr lang="en-US" altLang="zh-CN" sz="2800"/>
+              <a:t>抄送班主任</a:t>
+            </a:r>
+            <a:r>
+              <a:rPr lang="zh-CN" altLang="en-US" sz="2800" dirty="0" smtClean="0">
+                <a:sym typeface="+mn-ea"/>
+              </a:rPr>
+              <a:t>：</a:t>
+            </a:r>
+            <a:r>
+              <a:rPr lang="en-US" altLang="zh-CN" sz="2800" dirty="0"/>
               <a:t>		</a:t>
             </a:r>
           </a:p>
           <a:p>
             <a:r>
-              <a:rPr lang="en-US" altLang="zh-CN" sz="2800"/>
+              <a:rPr lang="en-US" altLang="zh-CN" sz="2800" dirty="0"/>
               <a:t>		</a:t>
             </a:r>
           </a:p>
@@ -16875,7 +16872,7 @@
               </a:lnSpc>
             </a:pPr>
             <a:r>
-              <a:rPr lang="zh-CN" altLang="en-US" sz="2800"/>
+              <a:rPr lang="zh-CN" altLang="en-US" sz="2800" dirty="0"/>
               <a:t>作业提交规则：</a:t>
             </a:r>
           </a:p>
@@ -16886,25 +16883,46 @@
               </a:lnSpc>
             </a:pPr>
             <a:r>
-              <a:rPr lang="en-US" altLang="zh-CN" sz="2400"/>
-              <a:t>	标题： </a:t>
-            </a:r>
-            <a:r>
-              <a:rPr lang="zh-CN" altLang="en-US" sz="2400"/>
+              <a:rPr lang="en-US" altLang="zh-CN" sz="2400" dirty="0"/>
+              <a:t>	</a:t>
+            </a:r>
+            <a:r>
+              <a:rPr lang="en-US" altLang="zh-CN" sz="2400" dirty="0" err="1"/>
+              <a:t>标题</a:t>
+            </a:r>
+            <a:r>
+              <a:rPr lang="en-US" altLang="zh-CN" sz="2400" dirty="0"/>
+              <a:t>： </a:t>
+            </a:r>
+            <a:r>
+              <a:rPr lang="zh-CN" altLang="en-US" sz="2400" dirty="0"/>
               <a:t>班级名称</a:t>
             </a:r>
             <a:r>
-              <a:rPr lang="en-US" altLang="zh-CN" sz="2400"/>
-              <a:t>_姓名_</a:t>
-            </a:r>
-            <a:r>
-              <a:rPr lang="zh-CN" altLang="en-US" sz="2400"/>
+              <a:rPr lang="en-US" altLang="zh-CN" sz="2400" dirty="0"/>
+              <a:t>_</a:t>
+            </a:r>
+            <a:r>
+              <a:rPr lang="en-US" altLang="zh-CN" sz="2400" dirty="0" err="1"/>
+              <a:t>姓名</a:t>
+            </a:r>
+            <a:r>
+              <a:rPr lang="en-US" altLang="zh-CN" sz="2400" dirty="0"/>
+              <a:t>_</a:t>
+            </a:r>
+            <a:r>
+              <a:rPr lang="zh-CN" altLang="en-US" sz="2400" dirty="0"/>
               <a:t>授课当天日期</a:t>
             </a:r>
             <a:r>
-              <a:rPr lang="en-US" altLang="zh-CN" sz="2400"/>
-              <a:t>_作业</a:t>
-            </a:r>
+              <a:rPr lang="en-US" altLang="zh-CN" sz="2400" dirty="0"/>
+              <a:t>_</a:t>
+            </a:r>
+            <a:r>
+              <a:rPr lang="en-US" altLang="zh-CN" sz="2400" dirty="0" err="1"/>
+              <a:t>作业</a:t>
+            </a:r>
+            <a:endParaRPr lang="en-US" altLang="zh-CN" sz="2400" dirty="0"/>
           </a:p>
           <a:p>
             <a:pPr>
@@ -16913,46 +16931,50 @@
               </a:lnSpc>
             </a:pPr>
             <a:r>
-              <a:rPr lang="en-US" altLang="zh-CN" sz="2400"/>
+              <a:rPr lang="en-US" altLang="zh-CN" sz="2400" dirty="0"/>
               <a:t>		</a:t>
             </a:r>
             <a:r>
-              <a:rPr lang="zh-CN" altLang="en-US" sz="2400"/>
+              <a:rPr lang="zh-CN" altLang="en-US" sz="2400" dirty="0"/>
               <a:t>示例：</a:t>
             </a:r>
             <a:r>
-              <a:rPr lang="en-US" altLang="zh-CN" sz="2400"/>
+              <a:rPr lang="en-US" altLang="zh-CN" sz="2400" dirty="0"/>
               <a:t>java</a:t>
             </a:r>
             <a:r>
-              <a:rPr lang="zh-CN" altLang="en-US" sz="2400"/>
+              <a:rPr lang="zh-CN" altLang="en-US" sz="2400" dirty="0"/>
               <a:t>就业实战</a:t>
             </a:r>
             <a:r>
-              <a:rPr lang="en-US" altLang="zh-CN" sz="2400"/>
-              <a:t>102</a:t>
-            </a:r>
-            <a:r>
-              <a:rPr lang="zh-CN" altLang="en-US" sz="2400"/>
+              <a:rPr lang="en-US" altLang="zh-CN" sz="2400" dirty="0" smtClean="0"/>
+              <a:t>106</a:t>
+            </a:r>
+            <a:r>
+              <a:rPr lang="zh-CN" altLang="en-US" sz="2400" dirty="0" smtClean="0"/>
               <a:t>班</a:t>
             </a:r>
             <a:r>
-              <a:rPr lang="en-US" altLang="zh-CN" sz="2400"/>
+              <a:rPr lang="en-US" altLang="zh-CN" sz="2400" dirty="0"/>
               <a:t>_</a:t>
             </a:r>
             <a:r>
-              <a:rPr lang="zh-CN" altLang="en-US" sz="2400"/>
+              <a:rPr lang="zh-CN" altLang="en-US" sz="2400" dirty="0"/>
               <a:t>张三</a:t>
             </a:r>
             <a:r>
-              <a:rPr lang="en-US" altLang="zh-CN" sz="2400"/>
-              <a:t>_2020-02-18_</a:t>
-            </a:r>
-            <a:r>
-              <a:rPr lang="zh-CN" altLang="en-US" sz="2400"/>
+              <a:rPr lang="en-US" altLang="zh-CN" sz="2400" dirty="0"/>
+              <a:t>_</a:t>
+            </a:r>
+            <a:r>
+              <a:rPr lang="en-US" altLang="zh-CN" sz="2400" dirty="0" smtClean="0"/>
+              <a:t>2020-06-01_</a:t>
+            </a:r>
+            <a:r>
+              <a:rPr lang="zh-CN" altLang="en-US" sz="2400" dirty="0"/>
               <a:t>作业</a:t>
             </a:r>
-            <a:endParaRPr lang="en-US" altLang="zh-CN" sz="2400"/>
+            <a:endParaRPr lang="en-US" altLang="zh-CN" sz="2400" dirty="0"/>
           </a:p>
           <a:p>
             <a:pPr>
@@ -16961,8 +16983,16 @@
               </a:lnSpc>
             </a:pPr>
             <a:r>
-              <a:rPr lang="en-US" altLang="zh-CN" sz="2400"/>
-              <a:t>	内容：一、当天听课情况（存在问题）</a:t>
+              <a:rPr lang="en-US" altLang="zh-CN" sz="2400" dirty="0"/>
+              <a:t>	</a:t>
+            </a:r>
+            <a:r>
+              <a:rPr lang="en-US" altLang="zh-CN" sz="2400" dirty="0" err="1"/>
+              <a:t>内容：一、当天听课情况（存在问题</a:t>
+            </a:r>
+            <a:r>
+              <a:rPr lang="en-US" altLang="zh-CN" sz="2400" dirty="0"/>
+              <a:t>）</a:t>
             </a:r>
           </a:p>
           <a:p>
@@ -16972,9 +17002,14 @@
               </a:lnSpc>
             </a:pPr>
             <a:r>
-              <a:rPr lang="en-US" altLang="zh-CN" sz="2400"/>
-              <a:t>           	 二、作业完成情况</a:t>
-            </a:r>
+              <a:rPr lang="en-US" altLang="zh-CN" sz="2400" dirty="0"/>
+              <a:t>           	 </a:t>
+            </a:r>
+            <a:r>
+              <a:rPr lang="en-US" altLang="zh-CN" sz="2400" dirty="0" err="1"/>
+              <a:t>二、作业完成情况</a:t>
+            </a:r>
+            <a:endParaRPr lang="en-US" altLang="zh-CN" sz="2400" dirty="0"/>
           </a:p>
           <a:p>
             <a:pPr>
@@ -16983,9 +17018,14 @@
               </a:lnSpc>
             </a:pPr>
             <a:r>
-              <a:rPr lang="en-US" altLang="zh-CN" sz="2400"/>
-              <a:t>           	 三、作业问题</a:t>
-            </a:r>
+              <a:rPr lang="en-US" altLang="zh-CN" sz="2400" dirty="0"/>
+              <a:t>           	 </a:t>
+            </a:r>
+            <a:r>
+              <a:rPr lang="en-US" altLang="zh-CN" sz="2400" dirty="0" err="1"/>
+              <a:t>三、作业问题</a:t>
+            </a:r>
+            <a:endParaRPr lang="en-US" altLang="zh-CN" sz="2400" dirty="0"/>
           </a:p>
           <a:p>
             <a:pPr>
@@ -16994,9 +17034,14 @@
               </a:lnSpc>
             </a:pPr>
             <a:r>
-              <a:rPr lang="en-US" altLang="zh-CN" sz="2400"/>
-              <a:t>          		 四、建议</a:t>
-            </a:r>
+              <a:rPr lang="en-US" altLang="zh-CN" sz="2400" dirty="0"/>
+              <a:t>          		 </a:t>
+            </a:r>
+            <a:r>
+              <a:rPr lang="en-US" altLang="zh-CN" sz="2400" dirty="0" err="1"/>
+              <a:t>四、建议</a:t>
+            </a:r>
+            <a:endParaRPr lang="en-US" altLang="zh-CN" sz="2400" dirty="0"/>
           </a:p>
           <a:p>
             <a:pPr>
@@ -17005,36 +17050,66 @@
               </a:lnSpc>
             </a:pPr>
             <a:r>
-              <a:rPr lang="en-US" altLang="zh-CN" sz="2400"/>
-              <a:t>	附件：</a:t>
-            </a:r>
-            <a:r>
-              <a:rPr lang="zh-CN" altLang="en-US" sz="2400">
+              <a:rPr lang="en-US" altLang="zh-CN" sz="2400" dirty="0"/>
+              <a:t>	</a:t>
+            </a:r>
+            <a:r>
+              <a:rPr lang="en-US" altLang="zh-CN" sz="2400" dirty="0" err="1"/>
+              <a:t>附件</a:t>
+            </a:r>
+            <a:r>
+              <a:rPr lang="en-US" altLang="zh-CN" sz="2400" dirty="0"/>
+              <a:t>：</a:t>
+            </a:r>
+            <a:r>
+              <a:rPr lang="zh-CN" altLang="en-US" sz="2400" dirty="0">
                 <a:sym typeface="+mn-ea"/>
               </a:rPr>
               <a:t>班级名称</a:t>
             </a:r>
             <a:r>
-              <a:rPr lang="en-US" altLang="zh-CN" sz="2400">
+              <a:rPr lang="en-US" altLang="zh-CN" sz="2400" dirty="0">
                 <a:sym typeface="+mn-ea"/>
               </a:rPr>
-              <a:t>_姓名_</a:t>
-            </a:r>
-            <a:r>
-              <a:rPr lang="zh-CN" altLang="en-US" sz="2400">
+              <a:t>_</a:t>
+            </a:r>
+            <a:r>
+              <a:rPr lang="en-US" altLang="zh-CN" sz="2400" dirty="0" err="1">
+                <a:sym typeface="+mn-ea"/>
+              </a:rPr>
+              <a:t>姓名</a:t>
+            </a:r>
+            <a:r>
+              <a:rPr lang="en-US" altLang="zh-CN" sz="2400" dirty="0">
+                <a:sym typeface="+mn-ea"/>
+              </a:rPr>
+              <a:t>_</a:t>
+            </a:r>
+            <a:r>
+              <a:rPr lang="zh-CN" altLang="en-US" sz="2400" dirty="0">
                 <a:sym typeface="+mn-ea"/>
               </a:rPr>
               <a:t>授课当天日期</a:t>
             </a:r>
             <a:r>
-              <a:rPr lang="en-US" altLang="zh-CN" sz="2400">
+              <a:rPr lang="en-US" altLang="zh-CN" sz="2400" dirty="0">
                 <a:sym typeface="+mn-ea"/>
               </a:rPr>
-              <a:t>_作业</a:t>
-            </a:r>
-            <a:r>
-              <a:rPr lang="en-US" altLang="zh-CN" sz="2400"/>
-              <a:t>.rar(zip)</a:t>
+              <a:t>_</a:t>
+            </a:r>
+            <a:r>
+              <a:rPr lang="en-US" altLang="zh-CN" sz="2400" dirty="0" err="1">
+                <a:sym typeface="+mn-ea"/>
+              </a:rPr>
+              <a:t>作业</a:t>
+            </a:r>
+            <a:r>
+              <a:rPr lang="en-US" altLang="zh-CN" sz="2400" dirty="0" err="1"/>
+              <a:t>.rar</a:t>
+            </a:r>
+            <a:r>
+              <a:rPr lang="en-US" altLang="zh-CN" sz="2400" dirty="0"/>
+              <a:t>(zip)</a:t>
             </a:r>
           </a:p>
           <a:p>
@@ -17044,55 +17119,67 @@
               </a:lnSpc>
             </a:pPr>
             <a:r>
-              <a:rPr lang="en-US" altLang="zh-CN" sz="2400"/>
+              <a:rPr lang="en-US" altLang="zh-CN" sz="2400" dirty="0"/>
               <a:t>		</a:t>
             </a:r>
             <a:r>
-              <a:rPr lang="zh-CN" altLang="en-US" sz="2400"/>
+              <a:rPr lang="zh-CN" altLang="en-US" sz="2400" dirty="0"/>
               <a:t>解压</a:t>
             </a:r>
             <a:r>
-              <a:rPr lang="en-US" altLang="zh-CN" sz="2400">
+              <a:rPr lang="en-US" altLang="zh-CN" sz="2400" dirty="0" err="1">
                 <a:sym typeface="+mn-ea"/>
               </a:rPr>
               <a:t>文件夹</a:t>
             </a:r>
             <a:r>
-              <a:rPr lang="zh-CN" altLang="en-US" sz="2400"/>
+              <a:rPr lang="zh-CN" altLang="en-US" sz="2400" dirty="0"/>
               <a:t>：</a:t>
             </a:r>
             <a:r>
-              <a:rPr lang="zh-CN" altLang="en-US" sz="2400">
+              <a:rPr lang="zh-CN" altLang="en-US" sz="2400" dirty="0">
                 <a:sym typeface="+mn-ea"/>
               </a:rPr>
               <a:t>班级名称</a:t>
             </a:r>
             <a:r>
-              <a:rPr lang="en-US" altLang="zh-CN" sz="2400">
+              <a:rPr lang="en-US" altLang="zh-CN" sz="2400" dirty="0">
                 <a:sym typeface="+mn-ea"/>
               </a:rPr>
-              <a:t>_姓名_</a:t>
-            </a:r>
-            <a:r>
-              <a:rPr lang="zh-CN" altLang="en-US" sz="2400">
+              <a:t>_</a:t>
+            </a:r>
+            <a:r>
+              <a:rPr lang="en-US" altLang="zh-CN" sz="2400" dirty="0" err="1">
+                <a:sym typeface="+mn-ea"/>
+              </a:rPr>
+              <a:t>姓名</a:t>
+            </a:r>
+            <a:r>
+              <a:rPr lang="en-US" altLang="zh-CN" sz="2400" dirty="0">
+                <a:sym typeface="+mn-ea"/>
+              </a:rPr>
+              <a:t>_</a:t>
+            </a:r>
+            <a:r>
+              <a:rPr lang="zh-CN" altLang="en-US" sz="2400" dirty="0">
                 <a:sym typeface="+mn-ea"/>
               </a:rPr>
               <a:t>授课当天日期</a:t>
             </a:r>
             <a:r>
-              <a:rPr lang="en-US" altLang="zh-CN" sz="2400">
+              <a:rPr lang="en-US" altLang="zh-CN" sz="2400" dirty="0">
                 <a:sym typeface="+mn-ea"/>
               </a:rPr>
               <a:t>_作</a:t>
             </a:r>
             <a:r>
-              <a:rPr lang="zh-CN" altLang="en-US" sz="2400">
+              <a:rPr lang="zh-CN" altLang="en-US" sz="2400" dirty="0">
                 <a:sym typeface="+mn-ea"/>
               </a:rPr>
               <a:t>业</a:t>
             </a:r>
             <a:r>
-              <a:rPr lang="en-US" altLang="zh-CN" sz="2400"/>
+              <a:rPr lang="en-US" altLang="zh-CN" sz="2400" dirty="0"/>
               <a:t>	</a:t>
             </a:r>
           </a:p>

--- a/01.JavaSE/01.ppt/00.开班.pptx
+++ b/01.JavaSE/01.ppt/00.开班.pptx
@@ -16939,12 +16939,12 @@
               <a:t>示例：</a:t>
             </a:r>
             <a:r>
-              <a:rPr lang="en-US" altLang="zh-CN" sz="2400" dirty="0"/>
+              <a:rPr lang="en-US" altLang="zh-CN" sz="2400" dirty="0" smtClean="0"/>
               <a:t>java</a:t>
             </a:r>
             <a:r>
-              <a:rPr lang="zh-CN" altLang="en-US" sz="2400" dirty="0"/>
-              <a:t>就业实战</a:t>
+              <a:rPr lang="zh-CN" altLang="en-US" sz="2400" dirty="0" smtClean="0"/>
+              <a:t>全栈就业</a:t>
             </a:r>
             <a:r>
               <a:rPr lang="en-US" altLang="zh-CN" sz="2400" dirty="0" smtClean="0"/>
